--- a/Презентация.pptx
+++ b/Презентация.pptx
@@ -5900,13 +5900,13 @@
   <p:clrMapOvr>
     <a:masterClrMapping/>
   </p:clrMapOvr>
-  <mc:AlternateContent xmlns:mc="http://schemas.openxmlformats.org/markup-compatibility/2006">
-    <mc:Choice xmlns:p14="http://schemas.microsoft.com/office/powerpoint/2010/main" Requires="p14">
+  <mc:AlternateContent xmlns:mc="http://schemas.openxmlformats.org/markup-compatibility/2006" xmlns:p14="http://schemas.microsoft.com/office/powerpoint/2010/main">
+    <mc:Choice Requires="p14">
       <p:transition spd="med" p14:dur="700">
         <p:fade/>
       </p:transition>
     </mc:Choice>
-    <mc:Fallback>
+    <mc:Fallback xmlns="">
       <p:transition spd="med">
         <p:fade/>
       </p:transition>
@@ -6048,13 +6048,13 @@
   <p:clrMapOvr>
     <a:masterClrMapping/>
   </p:clrMapOvr>
-  <mc:AlternateContent xmlns:mc="http://schemas.openxmlformats.org/markup-compatibility/2006">
-    <mc:Choice xmlns:p14="http://schemas.microsoft.com/office/powerpoint/2010/main" Requires="p14">
+  <mc:AlternateContent xmlns:mc="http://schemas.openxmlformats.org/markup-compatibility/2006" xmlns:p14="http://schemas.microsoft.com/office/powerpoint/2010/main">
+    <mc:Choice Requires="p14">
       <p:transition spd="med" p14:dur="700">
         <p:fade/>
       </p:transition>
     </mc:Choice>
-    <mc:Fallback>
+    <mc:Fallback xmlns="">
       <p:transition spd="med">
         <p:fade/>
       </p:transition>
@@ -6416,13 +6416,13 @@
   <p:clrMapOvr>
     <a:masterClrMapping/>
   </p:clrMapOvr>
-  <mc:AlternateContent xmlns:mc="http://schemas.openxmlformats.org/markup-compatibility/2006">
-    <mc:Choice xmlns:p14="http://schemas.microsoft.com/office/powerpoint/2010/main" Requires="p14">
+  <mc:AlternateContent xmlns:mc="http://schemas.openxmlformats.org/markup-compatibility/2006" xmlns:p14="http://schemas.microsoft.com/office/powerpoint/2010/main">
+    <mc:Choice Requires="p14">
       <p:transition spd="med" p14:dur="700">
         <p:fade/>
       </p:transition>
     </mc:Choice>
-    <mc:Fallback>
+    <mc:Fallback xmlns="">
       <p:transition spd="med">
         <p:fade/>
       </p:transition>
@@ -6687,13 +6687,13 @@
   <p:clrMapOvr>
     <a:masterClrMapping/>
   </p:clrMapOvr>
-  <mc:AlternateContent xmlns:mc="http://schemas.openxmlformats.org/markup-compatibility/2006">
-    <mc:Choice xmlns:p14="http://schemas.microsoft.com/office/powerpoint/2010/main" Requires="p14">
+  <mc:AlternateContent xmlns:mc="http://schemas.openxmlformats.org/markup-compatibility/2006" xmlns:p14="http://schemas.microsoft.com/office/powerpoint/2010/main">
+    <mc:Choice Requires="p14">
       <p:transition spd="med" p14:dur="700">
         <p:fade/>
       </p:transition>
     </mc:Choice>
-    <mc:Fallback>
+    <mc:Fallback xmlns="">
       <p:transition spd="med">
         <p:fade/>
       </p:transition>
@@ -6929,6 +6929,36 @@
           </a:prstGeom>
         </p:spPr>
       </p:pic>
+      <p:pic>
+        <p:nvPicPr>
+          <p:cNvPr id="6" name="Рисунок 5">
+            <a:extLst>
+              <a:ext uri="{FF2B5EF4-FFF2-40B4-BE49-F238E27FC236}">
+                <a16:creationId xmlns:a16="http://schemas.microsoft.com/office/drawing/2014/main" id="{1EB82F55-19B6-FB93-9B20-C72B8B6C857E}"/>
+              </a:ext>
+            </a:extLst>
+          </p:cNvPr>
+          <p:cNvPicPr>
+            <a:picLocks noChangeAspect="1"/>
+          </p:cNvPicPr>
+          <p:nvPr/>
+        </p:nvPicPr>
+        <p:blipFill>
+          <a:blip r:embed="rId3"/>
+          <a:stretch>
+            <a:fillRect/>
+          </a:stretch>
+        </p:blipFill>
+        <p:spPr>
+          <a:xfrm>
+            <a:off x="7259267" y="4186397"/>
+            <a:ext cx="4555848" cy="2470038"/>
+          </a:xfrm>
+          <a:prstGeom prst="rect">
+            <a:avLst/>
+          </a:prstGeom>
+        </p:spPr>
+      </p:pic>
     </p:spTree>
     <p:extLst>
       <p:ext uri="{BB962C8B-B14F-4D97-AF65-F5344CB8AC3E}">
@@ -6939,13 +6969,13 @@
   <p:clrMapOvr>
     <a:masterClrMapping/>
   </p:clrMapOvr>
-  <mc:AlternateContent xmlns:mc="http://schemas.openxmlformats.org/markup-compatibility/2006">
-    <mc:Choice xmlns:p14="http://schemas.microsoft.com/office/powerpoint/2010/main" Requires="p14">
+  <mc:AlternateContent xmlns:mc="http://schemas.openxmlformats.org/markup-compatibility/2006" xmlns:p14="http://schemas.microsoft.com/office/powerpoint/2010/main">
+    <mc:Choice Requires="p14">
       <p:transition spd="med" p14:dur="700">
         <p:fade/>
       </p:transition>
     </mc:Choice>
-    <mc:Fallback>
+    <mc:Fallback xmlns="">
       <p:transition spd="med">
         <p:fade/>
       </p:transition>
@@ -7102,13 +7132,13 @@
   <p:clrMapOvr>
     <a:masterClrMapping/>
   </p:clrMapOvr>
-  <mc:AlternateContent xmlns:mc="http://schemas.openxmlformats.org/markup-compatibility/2006">
-    <mc:Choice xmlns:p14="http://schemas.microsoft.com/office/powerpoint/2010/main" Requires="p14">
+  <mc:AlternateContent xmlns:mc="http://schemas.openxmlformats.org/markup-compatibility/2006" xmlns:p14="http://schemas.microsoft.com/office/powerpoint/2010/main">
+    <mc:Choice Requires="p14">
       <p:transition spd="med" p14:dur="700">
         <p:fade/>
       </p:transition>
     </mc:Choice>
-    <mc:Fallback>
+    <mc:Fallback xmlns="">
       <p:transition spd="med">
         <p:fade/>
       </p:transition>
@@ -7184,13 +7214,13 @@
   <p:clrMapOvr>
     <a:masterClrMapping/>
   </p:clrMapOvr>
-  <mc:AlternateContent xmlns:mc="http://schemas.openxmlformats.org/markup-compatibility/2006">
-    <mc:Choice xmlns:p14="http://schemas.microsoft.com/office/powerpoint/2010/main" Requires="p14">
+  <mc:AlternateContent xmlns:mc="http://schemas.openxmlformats.org/markup-compatibility/2006" xmlns:p14="http://schemas.microsoft.com/office/powerpoint/2010/main">
+    <mc:Choice Requires="p14">
       <p:transition spd="med" p14:dur="700">
         <p:fade/>
       </p:transition>
     </mc:Choice>
-    <mc:Fallback>
+    <mc:Fallback xmlns="">
       <p:transition spd="med">
         <p:fade/>
       </p:transition>
